--- a/Oral Presentation/wuwnet17_v1.pptx
+++ b/Oral Presentation/wuwnet17_v1.pptx
@@ -5214,14 +5214,7 @@
                 <a:ea typeface="Arial Unicode MS" panose="020B0604020202020204" pitchFamily="34" charset="-122"/>
                 <a:cs typeface="Arial Unicode MS" panose="020B0604020202020204" pitchFamily="34" charset="-122"/>
               </a:rPr>
-              <a:t>906</a:t>
-            </a:r>
-            <a:r>
-              <a:rPr lang="en-US" altLang="zh-CN" kern="0" dirty="0" smtClean="0">
-                <a:ea typeface="Arial Unicode MS" panose="020B0604020202020204" pitchFamily="34" charset="-122"/>
-                <a:cs typeface="Arial Unicode MS" panose="020B0604020202020204" pitchFamily="34" charset="-122"/>
-              </a:rPr>
-              <a:t>, significant </a:t>
+              <a:t>906, significant </a:t>
             </a:r>
             <a:r>
               <a:rPr lang="en-US" altLang="zh-CN" kern="0" dirty="0">
@@ -5283,14 +5276,7 @@
                 <a:ea typeface="Arial Unicode MS" panose="020B0604020202020204" pitchFamily="34" charset="-122"/>
                 <a:cs typeface="Arial Unicode MS" panose="020B0604020202020204" pitchFamily="34" charset="-122"/>
               </a:rPr>
-              <a:t>905</a:t>
-            </a:r>
-            <a:r>
-              <a:rPr lang="en-US" altLang="zh-CN" kern="0" dirty="0" smtClean="0">
-                <a:ea typeface="Arial Unicode MS" panose="020B0604020202020204" pitchFamily="34" charset="-122"/>
-                <a:cs typeface="Arial Unicode MS" panose="020B0604020202020204" pitchFamily="34" charset="-122"/>
-              </a:rPr>
-              <a:t>, </a:t>
+              <a:t>905, </a:t>
             </a:r>
             <a:r>
               <a:rPr lang="en-US" altLang="zh-CN" kern="0" dirty="0">
@@ -12891,8 +12877,13 @@
             </a:pPr>
             <a:r>
               <a:rPr lang="en-US" altLang="zh-CN" sz="2000" dirty="0" smtClean="0"/>
-              <a:t>Environmental model and source-receiver configuration</a:t>
-            </a:r>
+              <a:t>Environmental </a:t>
+            </a:r>
+            <a:r>
+              <a:rPr lang="en-US" altLang="zh-CN" sz="2000" dirty="0" smtClean="0"/>
+              <a:t>model and source-receiver configuration</a:t>
+            </a:r>
+            <a:endParaRPr lang="en-US" altLang="zh-CN" sz="2000" dirty="0" smtClean="0"/>
           </a:p>
           <a:p>
             <a:pPr lvl="1" eaLnBrk="1" hangingPunct="1">
@@ -12903,28 +12894,35 @@
                 <a:ea typeface="Arial Unicode MS" panose="020B0604020202020204" pitchFamily="34" charset="-122"/>
                 <a:cs typeface="Arial Unicode MS" panose="020B0604020202020204" pitchFamily="34" charset="-122"/>
               </a:rPr>
-              <a:t>Shallow source at </a:t>
+              <a:t>Shallow </a:t>
             </a:r>
             <a:r>
               <a:rPr lang="en-US" altLang="zh-CN" sz="1800" kern="0" dirty="0" smtClean="0">
                 <a:ea typeface="Arial Unicode MS" panose="020B0604020202020204" pitchFamily="34" charset="-122"/>
                 <a:cs typeface="Arial Unicode MS" panose="020B0604020202020204" pitchFamily="34" charset="-122"/>
               </a:rPr>
-              <a:t>a depth </a:t>
+              <a:t>source</a:t>
             </a:r>
             <a:r>
               <a:rPr lang="en-US" altLang="zh-CN" sz="1800" kern="0" dirty="0">
                 <a:ea typeface="Arial Unicode MS" panose="020B0604020202020204" pitchFamily="34" charset="-122"/>
                 <a:cs typeface="Arial Unicode MS" panose="020B0604020202020204" pitchFamily="34" charset="-122"/>
               </a:rPr>
-              <a:t>of </a:t>
+              <a:t>:</a:t>
             </a:r>
             <a:r>
               <a:rPr lang="en-US" altLang="zh-CN" sz="1800" kern="0" dirty="0" smtClean="0">
                 <a:ea typeface="Arial Unicode MS" panose="020B0604020202020204" pitchFamily="34" charset="-122"/>
                 <a:cs typeface="Arial Unicode MS" panose="020B0604020202020204" pitchFamily="34" charset="-122"/>
               </a:rPr>
-              <a:t>9m; </a:t>
+              <a:t> depth 9m</a:t>
+            </a:r>
+            <a:r>
+              <a:rPr lang="en-US" altLang="zh-CN" sz="1800" kern="0" dirty="0" smtClean="0">
+                <a:ea typeface="Arial Unicode MS" panose="020B0604020202020204" pitchFamily="34" charset="-122"/>
+                <a:cs typeface="Arial Unicode MS" panose="020B0604020202020204" pitchFamily="34" charset="-122"/>
+              </a:rPr>
+              <a:t>; </a:t>
             </a:r>
           </a:p>
           <a:p>
@@ -12936,14 +12934,28 @@
                 <a:ea typeface="Arial Unicode MS" panose="020B0604020202020204" pitchFamily="34" charset="-122"/>
                 <a:cs typeface="Arial Unicode MS" panose="020B0604020202020204" pitchFamily="34" charset="-122"/>
               </a:rPr>
-              <a:t>Frequencies used: </a:t>
+              <a:t>Frequency: 109</a:t>
             </a:r>
             <a:r>
               <a:rPr lang="en-US" altLang="zh-CN" sz="1800" kern="0" dirty="0" smtClean="0">
                 <a:ea typeface="Arial Unicode MS" panose="020B0604020202020204" pitchFamily="34" charset="-122"/>
                 <a:cs typeface="Arial Unicode MS" panose="020B0604020202020204" pitchFamily="34" charset="-122"/>
               </a:rPr>
-              <a:t>109, 232, 385Hz;</a:t>
+              <a:t>, 232, </a:t>
+            </a:r>
+            <a:r>
+              <a:rPr lang="en-US" altLang="zh-CN" sz="1800" kern="0" dirty="0">
+                <a:ea typeface="Arial Unicode MS" panose="020B0604020202020204" pitchFamily="34" charset="-122"/>
+                <a:cs typeface="Arial Unicode MS" panose="020B0604020202020204" pitchFamily="34" charset="-122"/>
+              </a:rPr>
+              <a:t>385Hz </a:t>
+            </a:r>
+            <a:r>
+              <a:rPr lang="en-US" altLang="zh-CN" sz="1800" kern="0" dirty="0" smtClean="0">
+                <a:ea typeface="Arial Unicode MS" panose="020B0604020202020204" pitchFamily="34" charset="-122"/>
+                <a:cs typeface="Arial Unicode MS" panose="020B0604020202020204" pitchFamily="34" charset="-122"/>
+              </a:rPr>
+              <a:t>used;</a:t>
             </a:r>
             <a:endParaRPr lang="en-US" altLang="zh-CN" sz="1800" kern="0" dirty="0">
               <a:ea typeface="Arial Unicode MS" panose="020B0604020202020204" pitchFamily="34" charset="-122"/>
@@ -13141,78 +13153,6 @@
       </p:pic>
       <p:sp>
         <p:nvSpPr>
-          <p:cNvPr id="4" name="文本框 3"/>
-          <p:cNvSpPr txBox="1"/>
-          <p:nvPr/>
-        </p:nvSpPr>
-        <p:spPr>
-          <a:xfrm>
-            <a:off x="686965" y="5820486"/>
-            <a:ext cx="7553325" cy="646331"/>
-          </a:xfrm>
-          <a:prstGeom prst="rect">
-            <a:avLst/>
-          </a:prstGeom>
-          <a:noFill/>
-        </p:spPr>
-        <p:txBody>
-          <a:bodyPr wrap="square" rtlCol="0">
-            <a:spAutoFit/>
-          </a:bodyPr>
-          <a:lstStyle/>
-          <a:p>
-            <a:pPr marL="11207" marR="18491">
-              <a:tabLst>
-                <a:tab pos="333393" algn="l"/>
-              </a:tabLst>
-            </a:pPr>
-            <a:r>
-              <a:rPr lang="en-US" altLang="zh-CN" dirty="0" smtClean="0">
-                <a:ea typeface="ＭＳ Ｐゴシック" charset="-128"/>
-                <a:cs typeface="Arial Unicode MS" panose="020B0604020202020204" pitchFamily="34" charset="-122"/>
-              </a:rPr>
-              <a:t>9/10 </a:t>
-            </a:r>
-            <a:r>
-              <a:rPr lang="en-US" altLang="zh-CN" dirty="0">
-                <a:ea typeface="ＭＳ Ｐゴシック" charset="-128"/>
-                <a:cs typeface="Arial Unicode MS" panose="020B0604020202020204" pitchFamily="34" charset="-122"/>
-              </a:rPr>
-              <a:t>CSDM used as training </a:t>
-            </a:r>
-            <a:r>
-              <a:rPr lang="en-US" altLang="zh-CN" dirty="0" smtClean="0">
-                <a:ea typeface="ＭＳ Ｐゴシック" charset="-128"/>
-                <a:cs typeface="Arial Unicode MS" panose="020B0604020202020204" pitchFamily="34" charset="-122"/>
-              </a:rPr>
-              <a:t>set, 1/10 </a:t>
-            </a:r>
-            <a:r>
-              <a:rPr lang="en-US" altLang="zh-CN" dirty="0">
-                <a:ea typeface="ＭＳ Ｐゴシック" charset="-128"/>
-                <a:cs typeface="Arial Unicode MS" panose="020B0604020202020204" pitchFamily="34" charset="-122"/>
-              </a:rPr>
-              <a:t>used as test </a:t>
-            </a:r>
-            <a:r>
-              <a:rPr lang="en-US" altLang="zh-CN" dirty="0" smtClean="0">
-                <a:ea typeface="ＭＳ Ｐゴシック" charset="-128"/>
-                <a:cs typeface="Arial Unicode MS" panose="020B0604020202020204" pitchFamily="34" charset="-122"/>
-              </a:rPr>
-              <a:t>set.</a:t>
-            </a:r>
-            <a:endParaRPr lang="en-US" altLang="zh-CN" dirty="0">
-              <a:ea typeface="ＭＳ Ｐゴシック" charset="-128"/>
-              <a:cs typeface="Arial Unicode MS" panose="020B0604020202020204" pitchFamily="34" charset="-122"/>
-            </a:endParaRPr>
-          </a:p>
-          <a:p>
-            <a:endParaRPr lang="zh-CN" altLang="en-US" dirty="0"/>
-          </a:p>
-        </p:txBody>
-      </p:sp>
-      <p:sp>
-        <p:nvSpPr>
           <p:cNvPr id="10" name="文本框 9"/>
           <p:cNvSpPr txBox="1"/>
           <p:nvPr/>
@@ -13606,47 +13546,35 @@
               <a:defRPr/>
             </a:pPr>
             <a:r>
+              <a:rPr lang="en-US" altLang="zh-CN" sz="1800" kern="0" dirty="0" smtClean="0">
+                <a:ea typeface="Arial Unicode MS" panose="020B0604020202020204" pitchFamily="34" charset="-122"/>
+                <a:cs typeface="Arial Unicode MS" panose="020B0604020202020204" pitchFamily="34" charset="-122"/>
+              </a:rPr>
+              <a:t>Accuracy: SCFNN &gt; MCE </a:t>
+            </a:r>
+            <a:r>
               <a:rPr lang="en-US" altLang="zh-CN" sz="1800" kern="0" dirty="0">
                 <a:ea typeface="Arial Unicode MS" panose="020B0604020202020204" pitchFamily="34" charset="-122"/>
                 <a:cs typeface="Arial Unicode MS" panose="020B0604020202020204" pitchFamily="34" charset="-122"/>
               </a:rPr>
-              <a:t>Whether using single frequency or multi-frequencies, the accuracy of SCFNN </a:t>
-            </a:r>
-          </a:p>
-          <a:p>
-            <a:pPr marL="457200" lvl="1" indent="0" eaLnBrk="1" hangingPunct="1">
-              <a:buNone/>
-              <a:defRPr/>
-            </a:pPr>
+              <a:t>&gt; </a:t>
+            </a:r>
             <a:r>
               <a:rPr lang="en-US" altLang="zh-CN" sz="1800" kern="0" dirty="0" smtClean="0">
                 <a:ea typeface="Arial Unicode MS" panose="020B0604020202020204" pitchFamily="34" charset="-122"/>
                 <a:cs typeface="Arial Unicode MS" panose="020B0604020202020204" pitchFamily="34" charset="-122"/>
               </a:rPr>
-              <a:t>      is </a:t>
-            </a:r>
-            <a:r>
-              <a:rPr lang="en-US" altLang="zh-CN" sz="1800" kern="0" dirty="0">
-                <a:ea typeface="Arial Unicode MS" panose="020B0604020202020204" pitchFamily="34" charset="-122"/>
-                <a:cs typeface="Arial Unicode MS" panose="020B0604020202020204" pitchFamily="34" charset="-122"/>
-              </a:rPr>
-              <a:t>always better than the Bartlett, and not worse than MCE; </a:t>
-            </a:r>
-            <a:r>
-              <a:rPr lang="en-US" altLang="zh-CN" sz="1800" kern="0" dirty="0">
-                <a:latin typeface="Arial Unicode MS" panose="020B0604020202020204" pitchFamily="34" charset="-122"/>
-                <a:ea typeface="Arial Unicode MS" panose="020B0604020202020204" pitchFamily="34" charset="-122"/>
-                <a:cs typeface="Arial Unicode MS" panose="020B0604020202020204" pitchFamily="34" charset="-122"/>
-              </a:rPr>
-              <a:t/>
-            </a:r>
-            <a:br>
-              <a:rPr lang="en-US" altLang="zh-CN" sz="1800" kern="0" dirty="0">
-                <a:latin typeface="Arial Unicode MS" panose="020B0604020202020204" pitchFamily="34" charset="-122"/>
-                <a:ea typeface="Arial Unicode MS" panose="020B0604020202020204" pitchFamily="34" charset="-122"/>
-                <a:cs typeface="Arial Unicode MS" panose="020B0604020202020204" pitchFamily="34" charset="-122"/>
-              </a:rPr>
-            </a:br>
+              <a:t>Bartlett1 &gt; Bartlett2</a:t>
+            </a:r>
+            <a:endParaRPr lang="en-US" altLang="zh-CN" sz="1800" kern="0" dirty="0" smtClean="0">
+              <a:ea typeface="Arial Unicode MS" panose="020B0604020202020204" pitchFamily="34" charset="-122"/>
+              <a:cs typeface="Arial Unicode MS" panose="020B0604020202020204" pitchFamily="34" charset="-122"/>
+            </a:endParaRPr>
+          </a:p>
+          <a:p>
+            <a:pPr lvl="1" eaLnBrk="1" hangingPunct="1">
+              <a:defRPr/>
+            </a:pPr>
             <a:endParaRPr lang="zh-CN" altLang="en-US" sz="1800" kern="0" dirty="0">
               <a:latin typeface="Arial Unicode MS" panose="020B0604020202020204" pitchFamily="34" charset="-122"/>
               <a:ea typeface="Arial Unicode MS" panose="020B0604020202020204" pitchFamily="34" charset="-122"/>
@@ -13850,7 +13778,7 @@
         </p:blipFill>
         <p:spPr>
           <a:xfrm>
-            <a:off x="1200573" y="2454360"/>
+            <a:off x="1173141" y="2170896"/>
             <a:ext cx="6362025" cy="2044024"/>
           </a:xfrm>
           <a:prstGeom prst="rect">
@@ -14193,23 +14121,32 @@
               <a:defRPr/>
             </a:pPr>
             <a:r>
+              <a:rPr lang="en-US" altLang="zh-CN" sz="1800" kern="0" dirty="0" smtClean="0">
+                <a:ea typeface="Arial Unicode MS" panose="020B0604020202020204" pitchFamily="34" charset="-122"/>
+                <a:cs typeface="Arial Unicode MS" panose="020B0604020202020204" pitchFamily="34" charset="-122"/>
+              </a:rPr>
+              <a:t>Error:</a:t>
+            </a:r>
+            <a:r>
               <a:rPr lang="en-US" altLang="zh-CN" sz="1800" kern="0" dirty="0">
                 <a:ea typeface="Arial Unicode MS" panose="020B0604020202020204" pitchFamily="34" charset="-122"/>
                 <a:cs typeface="Arial Unicode MS" panose="020B0604020202020204" pitchFamily="34" charset="-122"/>
               </a:rPr>
-              <a:t>This is more obvious when it comes to the comparison of absolute mean error ;</a:t>
-            </a:r>
-          </a:p>
-          <a:p>
-            <a:pPr lvl="1" eaLnBrk="1" hangingPunct="1">
-              <a:defRPr/>
-            </a:pPr>
+              <a:t> SCFNN </a:t>
+            </a:r>
+            <a:r>
+              <a:rPr lang="en-US" altLang="zh-CN" sz="1800" kern="0" dirty="0" smtClean="0">
+                <a:ea typeface="Arial Unicode MS" panose="020B0604020202020204" pitchFamily="34" charset="-122"/>
+                <a:cs typeface="Arial Unicode MS" panose="020B0604020202020204" pitchFamily="34" charset="-122"/>
+              </a:rPr>
+              <a:t>&lt; MCE &lt; Bartlett1 &lt; Bartlett2 </a:t>
+            </a:r>
             <a:r>
               <a:rPr lang="en-US" altLang="zh-CN" sz="1800" kern="0" dirty="0">
                 <a:ea typeface="Arial Unicode MS" panose="020B0604020202020204" pitchFamily="34" charset="-122"/>
                 <a:cs typeface="Arial Unicode MS" panose="020B0604020202020204" pitchFamily="34" charset="-122"/>
               </a:rPr>
-              <a:t>SCFNN works well on source localization and performs better than Bartlett. </a:t>
+              <a:t/>
             </a:r>
             <a:br>
               <a:rPr lang="en-US" altLang="zh-CN" sz="1800" kern="0" dirty="0">
@@ -14364,7 +14301,7 @@
         </p:blipFill>
         <p:spPr>
           <a:xfrm>
-            <a:off x="1156086" y="2485511"/>
+            <a:off x="1119510" y="2138039"/>
             <a:ext cx="6306543" cy="2110814"/>
           </a:xfrm>
           <a:prstGeom prst="rect">
